--- a/public/templates/certificado/verso-3a-2coluna.pptx
+++ b/public/templates/certificado/verso-3a-2coluna.pptx
@@ -3082,7 +3082,7 @@
         <p:spPr>
           <a:xfrm>
             <a:off x="6878160" y="1507536"/>
-            <a:ext cx="2346840" cy="983431"/>
+            <a:ext cx="2346840" cy="1075764"/>
           </a:xfrm>
           <a:prstGeom prst="rect">
             <a:avLst/>
@@ -3155,6 +3155,47 @@
                 <a:spcPct val="100000"/>
               </a:lnSpc>
             </a:pPr>
+            <a:endParaRPr lang="pt-BR" sz="700" b="0" u="none" strike="noStrike" dirty="0">
+              <a:solidFill>
+                <a:srgbClr val="000000"/>
+              </a:solidFill>
+              <a:uFillTx/>
+              <a:latin typeface="Arial"/>
+            </a:endParaRPr>
+          </a:p>
+          <a:p>
+            <a:pPr algn="ctr" defTabSz="914400">
+              <a:lnSpc>
+                <a:spcPct val="100000"/>
+              </a:lnSpc>
+            </a:pPr>
+            <a:endParaRPr lang="pt-BR" sz="700" dirty="0">
+              <a:solidFill>
+                <a:srgbClr val="000000"/>
+              </a:solidFill>
+              <a:latin typeface="Arial"/>
+            </a:endParaRPr>
+          </a:p>
+          <a:p>
+            <a:pPr algn="ctr" defTabSz="914400">
+              <a:lnSpc>
+                <a:spcPct val="100000"/>
+              </a:lnSpc>
+            </a:pPr>
+            <a:endParaRPr lang="pt-BR" sz="700" b="0" u="none" strike="noStrike" dirty="0">
+              <a:solidFill>
+                <a:srgbClr val="000000"/>
+              </a:solidFill>
+              <a:uFillTx/>
+              <a:latin typeface="Arial"/>
+            </a:endParaRPr>
+          </a:p>
+          <a:p>
+            <a:pPr algn="ctr" defTabSz="914400">
+              <a:lnSpc>
+                <a:spcPct val="100000"/>
+              </a:lnSpc>
+            </a:pPr>
             <a:r>
               <a:rPr lang="pt-BR" sz="700" b="0" u="none" strike="noStrike" dirty="0">
                 <a:solidFill>
@@ -3312,34 +3353,6 @@
               <a:uFillTx/>
               <a:latin typeface="Arial"/>
               <a:cs typeface="Arial"/>
-            </a:endParaRPr>
-          </a:p>
-          <a:p>
-            <a:pPr algn="ctr" defTabSz="914400">
-              <a:lnSpc>
-                <a:spcPct val="100000"/>
-              </a:lnSpc>
-            </a:pPr>
-            <a:endParaRPr lang="en-US" sz="700" b="0" u="none" strike="noStrike" dirty="0">
-              <a:solidFill>
-                <a:srgbClr val="000000"/>
-              </a:solidFill>
-              <a:uFillTx/>
-              <a:latin typeface="Arial"/>
-            </a:endParaRPr>
-          </a:p>
-          <a:p>
-            <a:pPr algn="ctr" defTabSz="914400">
-              <a:lnSpc>
-                <a:spcPct val="100000"/>
-              </a:lnSpc>
-            </a:pPr>
-            <a:endParaRPr lang="en-US" sz="700" b="0" u="none" strike="noStrike" dirty="0">
-              <a:solidFill>
-                <a:srgbClr val="000000"/>
-              </a:solidFill>
-              <a:uFillTx/>
-              <a:latin typeface="Arial"/>
             </a:endParaRPr>
           </a:p>
         </p:txBody>
@@ -3613,8 +3626,8 @@
         </p:nvSpPr>
         <p:spPr>
           <a:xfrm>
-            <a:off x="6878160" y="2569536"/>
-            <a:ext cx="2346840" cy="968042"/>
+            <a:off x="6878160" y="2603403"/>
+            <a:ext cx="2346840" cy="1075764"/>
           </a:xfrm>
           <a:prstGeom prst="rect">
             <a:avLst/>
@@ -3677,6 +3690,33 @@
           </a:p>
           <a:p>
             <a:pPr algn="ctr"/>
+            <a:endParaRPr lang="pt-BR" sz="700" dirty="0">
+              <a:solidFill>
+                <a:schemeClr val="dk1"/>
+              </a:solidFill>
+              <a:latin typeface="Arial"/>
+            </a:endParaRPr>
+          </a:p>
+          <a:p>
+            <a:pPr algn="ctr"/>
+            <a:endParaRPr lang="pt-BR" sz="700" dirty="0">
+              <a:solidFill>
+                <a:schemeClr val="dk1"/>
+              </a:solidFill>
+              <a:latin typeface="Arial"/>
+            </a:endParaRPr>
+          </a:p>
+          <a:p>
+            <a:pPr algn="ctr"/>
+            <a:endParaRPr lang="pt-BR" sz="700" dirty="0">
+              <a:solidFill>
+                <a:schemeClr val="dk1"/>
+              </a:solidFill>
+              <a:latin typeface="Arial"/>
+            </a:endParaRPr>
+          </a:p>
+          <a:p>
+            <a:pPr algn="ctr"/>
             <a:r>
               <a:rPr lang="pt-BR" sz="700" dirty="0">
                 <a:solidFill>
@@ -3750,34 +3790,6 @@
               <a:solidFill>
                 <a:schemeClr val="dk1"/>
               </a:solidFill>
-            </a:endParaRPr>
-          </a:p>
-          <a:p>
-            <a:pPr algn="ctr" defTabSz="914400">
-              <a:lnSpc>
-                <a:spcPct val="100000"/>
-              </a:lnSpc>
-            </a:pPr>
-            <a:endParaRPr lang="en-US" sz="700" b="0" u="none" strike="noStrike" dirty="0">
-              <a:solidFill>
-                <a:srgbClr val="000000"/>
-              </a:solidFill>
-              <a:uFillTx/>
-              <a:latin typeface="Arial"/>
-            </a:endParaRPr>
-          </a:p>
-          <a:p>
-            <a:pPr defTabSz="914400">
-              <a:lnSpc>
-                <a:spcPct val="100000"/>
-              </a:lnSpc>
-            </a:pPr>
-            <a:endParaRPr lang="en-US" sz="700" b="0" u="none" strike="noStrike" dirty="0">
-              <a:solidFill>
-                <a:srgbClr val="000000"/>
-              </a:solidFill>
-              <a:uFillTx/>
-              <a:latin typeface="Arial"/>
             </a:endParaRPr>
           </a:p>
         </p:txBody>
@@ -3796,8 +3808,8 @@
         </p:nvSpPr>
         <p:spPr>
           <a:xfrm>
-            <a:off x="6878160" y="3631536"/>
-            <a:ext cx="2346840" cy="968042"/>
+            <a:off x="6878160" y="3699270"/>
+            <a:ext cx="2346840" cy="1075764"/>
           </a:xfrm>
           <a:prstGeom prst="rect">
             <a:avLst/>
@@ -3864,6 +3876,47 @@
                 <a:spcPct val="100000"/>
               </a:lnSpc>
             </a:pPr>
+            <a:endParaRPr lang="pt-BR" sz="700" b="0" u="none" strike="noStrike" dirty="0">
+              <a:solidFill>
+                <a:schemeClr val="dk1"/>
+              </a:solidFill>
+              <a:uFillTx/>
+              <a:latin typeface="Arial"/>
+            </a:endParaRPr>
+          </a:p>
+          <a:p>
+            <a:pPr algn="ctr" defTabSz="914400">
+              <a:lnSpc>
+                <a:spcPct val="100000"/>
+              </a:lnSpc>
+            </a:pPr>
+            <a:endParaRPr lang="pt-BR" sz="700" dirty="0">
+              <a:solidFill>
+                <a:schemeClr val="dk1"/>
+              </a:solidFill>
+              <a:latin typeface="Arial"/>
+            </a:endParaRPr>
+          </a:p>
+          <a:p>
+            <a:pPr algn="ctr" defTabSz="914400">
+              <a:lnSpc>
+                <a:spcPct val="100000"/>
+              </a:lnSpc>
+            </a:pPr>
+            <a:endParaRPr lang="pt-BR" sz="700" b="0" u="none" strike="noStrike" dirty="0">
+              <a:solidFill>
+                <a:schemeClr val="dk1"/>
+              </a:solidFill>
+              <a:uFillTx/>
+              <a:latin typeface="Arial"/>
+            </a:endParaRPr>
+          </a:p>
+          <a:p>
+            <a:pPr algn="ctr" defTabSz="914400">
+              <a:lnSpc>
+                <a:spcPct val="100000"/>
+              </a:lnSpc>
+            </a:pPr>
             <a:r>
               <a:rPr lang="pt-BR" sz="700" b="0" u="none" strike="noStrike" dirty="0">
                 <a:solidFill>
@@ -4034,34 +4087,6 @@
               <a:solidFill>
                 <a:schemeClr val="dk1"/>
               </a:solidFill>
-            </a:endParaRPr>
-          </a:p>
-          <a:p>
-            <a:pPr algn="ctr" defTabSz="914400">
-              <a:lnSpc>
-                <a:spcPct val="100000"/>
-              </a:lnSpc>
-            </a:pPr>
-            <a:endParaRPr lang="en-US" sz="700" b="0" u="none" strike="noStrike" dirty="0">
-              <a:solidFill>
-                <a:srgbClr val="000000"/>
-              </a:solidFill>
-              <a:uFillTx/>
-              <a:latin typeface="Arial"/>
-            </a:endParaRPr>
-          </a:p>
-          <a:p>
-            <a:pPr algn="ctr" defTabSz="914400">
-              <a:lnSpc>
-                <a:spcPct val="100000"/>
-              </a:lnSpc>
-            </a:pPr>
-            <a:endParaRPr lang="en-US" sz="700" b="0" u="none" strike="noStrike" dirty="0">
-              <a:solidFill>
-                <a:srgbClr val="000000"/>
-              </a:solidFill>
-              <a:uFillTx/>
-              <a:latin typeface="Arial"/>
             </a:endParaRPr>
           </a:p>
         </p:txBody>
@@ -4109,6 +4134,113 @@
           </a:p>
         </p:txBody>
       </p:sp>
+      <p:pic>
+        <p:nvPicPr>
+          <p:cNvPr id="5" name="Imagem 4" descr="Imagem em preto e branco&#10;&#10;O conteúdo gerado por IA pode estar incorreto.">
+            <a:extLst>
+              <a:ext uri="{FF2B5EF4-FFF2-40B4-BE49-F238E27FC236}">
+                <a16:creationId xmlns:a16="http://schemas.microsoft.com/office/drawing/2014/main" id="{D02288E3-5B55-D7A6-A026-181E4130CBF5}"/>
+              </a:ext>
+            </a:extLst>
+          </p:cNvPr>
+          <p:cNvPicPr>
+            <a:picLocks noChangeAspect="1"/>
+          </p:cNvPicPr>
+          <p:nvPr/>
+        </p:nvPicPr>
+        <p:blipFill>
+          <a:blip r:embed="rId2" cstate="print">
+            <a:extLst>
+              <a:ext uri="{28A0092B-C50C-407E-A947-70E740481C1C}">
+                <a14:useLocalDpi xmlns:a14="http://schemas.microsoft.com/office/drawing/2010/main" val="0"/>
+              </a:ext>
+            </a:extLst>
+          </a:blip>
+          <a:stretch>
+            <a:fillRect/>
+          </a:stretch>
+        </p:blipFill>
+        <p:spPr>
+          <a:xfrm>
+            <a:off x="7369511" y="1368858"/>
+            <a:ext cx="1364138" cy="1234545"/>
+          </a:xfrm>
+          <a:prstGeom prst="rect">
+            <a:avLst/>
+          </a:prstGeom>
+        </p:spPr>
+      </p:pic>
+      <p:pic>
+        <p:nvPicPr>
+          <p:cNvPr id="7" name="Imagem 6" descr="Texto&#10;&#10;O conteúdo gerado por IA pode estar incorreto.">
+            <a:extLst>
+              <a:ext uri="{FF2B5EF4-FFF2-40B4-BE49-F238E27FC236}">
+                <a16:creationId xmlns:a16="http://schemas.microsoft.com/office/drawing/2014/main" id="{E8918503-8B7D-B514-71FE-2104DB95D684}"/>
+              </a:ext>
+            </a:extLst>
+          </p:cNvPr>
+          <p:cNvPicPr>
+            <a:picLocks noChangeAspect="1"/>
+          </p:cNvPicPr>
+          <p:nvPr/>
+        </p:nvPicPr>
+        <p:blipFill>
+          <a:blip r:embed="rId3" cstate="print">
+            <a:extLst>
+              <a:ext uri="{28A0092B-C50C-407E-A947-70E740481C1C}">
+                <a14:useLocalDpi xmlns:a14="http://schemas.microsoft.com/office/drawing/2010/main" val="0"/>
+              </a:ext>
+            </a:extLst>
+          </a:blip>
+          <a:stretch>
+            <a:fillRect/>
+          </a:stretch>
+        </p:blipFill>
+        <p:spPr>
+          <a:xfrm>
+            <a:off x="7369511" y="2449991"/>
+            <a:ext cx="1364137" cy="1234545"/>
+          </a:xfrm>
+          <a:prstGeom prst="rect">
+            <a:avLst/>
+          </a:prstGeom>
+        </p:spPr>
+      </p:pic>
+      <p:pic>
+        <p:nvPicPr>
+          <p:cNvPr id="9" name="Imagem 8">
+            <a:extLst>
+              <a:ext uri="{FF2B5EF4-FFF2-40B4-BE49-F238E27FC236}">
+                <a16:creationId xmlns:a16="http://schemas.microsoft.com/office/drawing/2014/main" id="{BAE094AB-0886-3E4E-7A1D-A6E214F758D9}"/>
+              </a:ext>
+            </a:extLst>
+          </p:cNvPr>
+          <p:cNvPicPr>
+            <a:picLocks/>
+          </p:cNvPicPr>
+          <p:nvPr/>
+        </p:nvPicPr>
+        <p:blipFill>
+          <a:blip r:embed="rId4" cstate="print">
+            <a:extLst>
+              <a:ext uri="{28A0092B-C50C-407E-A947-70E740481C1C}">
+                <a14:useLocalDpi xmlns:a14="http://schemas.microsoft.com/office/drawing/2010/main" val="0"/>
+              </a:ext>
+            </a:extLst>
+          </a:blip>
+          <a:srcRect/>
+          <a:stretch/>
+        </p:blipFill>
+        <p:spPr>
+          <a:xfrm>
+            <a:off x="7369511" y="3540044"/>
+            <a:ext cx="1364400" cy="1234800"/>
+          </a:xfrm>
+          <a:prstGeom prst="rect">
+            <a:avLst/>
+          </a:prstGeom>
+        </p:spPr>
+      </p:pic>
     </p:spTree>
   </p:cSld>
   <p:clrMapOvr>

--- a/public/templates/certificado/verso-3a-2coluna.pptx
+++ b/public/templates/certificado/verso-3a-2coluna.pptx
@@ -4208,10 +4208,10 @@
       </p:pic>
       <p:pic>
         <p:nvPicPr>
-          <p:cNvPr id="9" name="Imagem 8">
+          <p:cNvPr id="4" name="Imagem 3" descr="Forma&#10;&#10;O conteúdo gerado por IA pode estar incorreto.">
             <a:extLst>
               <a:ext uri="{FF2B5EF4-FFF2-40B4-BE49-F238E27FC236}">
-                <a16:creationId xmlns:a16="http://schemas.microsoft.com/office/drawing/2014/main" id="{BAE094AB-0886-3E4E-7A1D-A6E214F758D9}"/>
+                <a16:creationId xmlns:a16="http://schemas.microsoft.com/office/drawing/2014/main" id="{B2B33398-0FF7-CCBE-A3AA-3F3F179BDE0F}"/>
               </a:ext>
             </a:extLst>
           </p:cNvPr>
@@ -4228,13 +4228,14 @@
               </a:ext>
             </a:extLst>
           </a:blip>
-          <a:srcRect/>
-          <a:stretch/>
+          <a:stretch>
+            <a:fillRect/>
+          </a:stretch>
         </p:blipFill>
         <p:spPr>
           <a:xfrm>
-            <a:off x="7369511" y="3540044"/>
-            <a:ext cx="1364400" cy="1234800"/>
+            <a:off x="7438116" y="3551034"/>
+            <a:ext cx="1332000" cy="1224000"/>
           </a:xfrm>
           <a:prstGeom prst="rect">
             <a:avLst/>
